--- a/PLN.pptx
+++ b/PLN.pptx
@@ -363,7 +363,7 @@
           <a:p>
             <a:fld id="{15FD1561-82AB-4909-9F24-AEB49EC73DEF}" type="slidenum">
               <a:rPr lang="pt-PT" smtClean="0"/>
-              <a:t>‹nº›</a:t>
+              <a:t>‹#›</a:t>
             </a:fld>
             <a:endParaRPr lang="pt-PT"/>
           </a:p>
@@ -1384,7 +1384,7 @@
           <a:p>
             <a:fld id="{562D44BD-A7C1-4763-B9FA-1EFFC7074F38}" type="slidenum">
               <a:rPr lang="pt-PT" smtClean="0"/>
-              <a:t>‹nº›</a:t>
+              <a:t>‹#›</a:t>
             </a:fld>
             <a:endParaRPr lang="pt-PT"/>
           </a:p>
@@ -1659,7 +1659,7 @@
           <a:p>
             <a:fld id="{562D44BD-A7C1-4763-B9FA-1EFFC7074F38}" type="slidenum">
               <a:rPr lang="pt-PT" smtClean="0"/>
-              <a:t>‹nº›</a:t>
+              <a:t>‹#›</a:t>
             </a:fld>
             <a:endParaRPr lang="pt-PT"/>
           </a:p>
@@ -1853,7 +1853,7 @@
           <a:p>
             <a:fld id="{562D44BD-A7C1-4763-B9FA-1EFFC7074F38}" type="slidenum">
               <a:rPr lang="pt-PT" smtClean="0"/>
-              <a:t>‹nº›</a:t>
+              <a:t>‹#›</a:t>
             </a:fld>
             <a:endParaRPr lang="pt-PT"/>
           </a:p>
@@ -2126,7 +2126,7 @@
           <a:p>
             <a:fld id="{562D44BD-A7C1-4763-B9FA-1EFFC7074F38}" type="slidenum">
               <a:rPr lang="pt-PT" smtClean="0"/>
-              <a:t>‹nº›</a:t>
+              <a:t>‹#›</a:t>
             </a:fld>
             <a:endParaRPr lang="pt-PT"/>
           </a:p>
@@ -2467,7 +2467,7 @@
           <a:p>
             <a:fld id="{562D44BD-A7C1-4763-B9FA-1EFFC7074F38}" type="slidenum">
               <a:rPr lang="pt-PT" smtClean="0"/>
-              <a:t>‹nº›</a:t>
+              <a:t>‹#›</a:t>
             </a:fld>
             <a:endParaRPr lang="pt-PT"/>
           </a:p>
@@ -3090,7 +3090,7 @@
           <a:p>
             <a:fld id="{562D44BD-A7C1-4763-B9FA-1EFFC7074F38}" type="slidenum">
               <a:rPr lang="pt-PT" smtClean="0"/>
-              <a:t>‹nº›</a:t>
+              <a:t>‹#›</a:t>
             </a:fld>
             <a:endParaRPr lang="pt-PT"/>
           </a:p>
@@ -3950,7 +3950,7 @@
           <a:p>
             <a:fld id="{562D44BD-A7C1-4763-B9FA-1EFFC7074F38}" type="slidenum">
               <a:rPr lang="pt-PT" smtClean="0"/>
-              <a:t>‹nº›</a:t>
+              <a:t>‹#›</a:t>
             </a:fld>
             <a:endParaRPr lang="pt-PT"/>
           </a:p>
@@ -4120,7 +4120,7 @@
           <a:p>
             <a:fld id="{562D44BD-A7C1-4763-B9FA-1EFFC7074F38}" type="slidenum">
               <a:rPr lang="pt-PT" smtClean="0"/>
-              <a:t>‹nº›</a:t>
+              <a:t>‹#›</a:t>
             </a:fld>
             <a:endParaRPr lang="pt-PT"/>
           </a:p>
@@ -4300,7 +4300,7 @@
           <a:p>
             <a:fld id="{562D44BD-A7C1-4763-B9FA-1EFFC7074F38}" type="slidenum">
               <a:rPr lang="pt-PT" smtClean="0"/>
-              <a:t>‹nº›</a:t>
+              <a:t>‹#›</a:t>
             </a:fld>
             <a:endParaRPr lang="pt-PT"/>
           </a:p>
@@ -4470,7 +4470,7 @@
           <a:p>
             <a:fld id="{562D44BD-A7C1-4763-B9FA-1EFFC7074F38}" type="slidenum">
               <a:rPr lang="pt-PT" smtClean="0"/>
-              <a:t>‹nº›</a:t>
+              <a:t>‹#›</a:t>
             </a:fld>
             <a:endParaRPr lang="pt-PT"/>
           </a:p>
@@ -4717,7 +4717,7 @@
           <a:p>
             <a:fld id="{562D44BD-A7C1-4763-B9FA-1EFFC7074F38}" type="slidenum">
               <a:rPr lang="pt-PT" smtClean="0"/>
-              <a:t>‹nº›</a:t>
+              <a:t>‹#›</a:t>
             </a:fld>
             <a:endParaRPr lang="pt-PT"/>
           </a:p>
@@ -5009,7 +5009,7 @@
           <a:p>
             <a:fld id="{562D44BD-A7C1-4763-B9FA-1EFFC7074F38}" type="slidenum">
               <a:rPr lang="pt-PT" smtClean="0"/>
-              <a:t>‹nº›</a:t>
+              <a:t>‹#›</a:t>
             </a:fld>
             <a:endParaRPr lang="pt-PT"/>
           </a:p>
@@ -5453,7 +5453,7 @@
           <a:p>
             <a:fld id="{562D44BD-A7C1-4763-B9FA-1EFFC7074F38}" type="slidenum">
               <a:rPr lang="pt-PT" smtClean="0"/>
-              <a:t>‹nº›</a:t>
+              <a:t>‹#›</a:t>
             </a:fld>
             <a:endParaRPr lang="pt-PT"/>
           </a:p>
@@ -5571,7 +5571,7 @@
           <a:p>
             <a:fld id="{562D44BD-A7C1-4763-B9FA-1EFFC7074F38}" type="slidenum">
               <a:rPr lang="pt-PT" smtClean="0"/>
-              <a:t>‹nº›</a:t>
+              <a:t>‹#›</a:t>
             </a:fld>
             <a:endParaRPr lang="pt-PT"/>
           </a:p>
@@ -5666,7 +5666,7 @@
           <a:p>
             <a:fld id="{562D44BD-A7C1-4763-B9FA-1EFFC7074F38}" type="slidenum">
               <a:rPr lang="pt-PT" smtClean="0"/>
-              <a:t>‹nº›</a:t>
+              <a:t>‹#›</a:t>
             </a:fld>
             <a:endParaRPr lang="pt-PT"/>
           </a:p>
@@ -5945,7 +5945,7 @@
           <a:p>
             <a:fld id="{562D44BD-A7C1-4763-B9FA-1EFFC7074F38}" type="slidenum">
               <a:rPr lang="pt-PT" smtClean="0"/>
-              <a:t>‹nº›</a:t>
+              <a:t>‹#›</a:t>
             </a:fld>
             <a:endParaRPr lang="pt-PT"/>
           </a:p>
@@ -6220,7 +6220,7 @@
           <a:p>
             <a:fld id="{562D44BD-A7C1-4763-B9FA-1EFFC7074F38}" type="slidenum">
               <a:rPr lang="pt-PT" smtClean="0"/>
-              <a:t>‹nº›</a:t>
+              <a:t>‹#›</a:t>
             </a:fld>
             <a:endParaRPr lang="pt-PT"/>
           </a:p>
@@ -6686,7 +6686,7 @@
           <a:p>
             <a:fld id="{562D44BD-A7C1-4763-B9FA-1EFFC7074F38}" type="slidenum">
               <a:rPr lang="pt-PT" smtClean="0"/>
-              <a:t>‹nº›</a:t>
+              <a:t>‹#›</a:t>
             </a:fld>
             <a:endParaRPr lang="pt-PT"/>
           </a:p>
@@ -12914,8 +12914,8 @@
         </p:blipFill>
         <p:spPr>
           <a:xfrm>
-            <a:off x="3710549" y="3282624"/>
-            <a:ext cx="2894345" cy="1305511"/>
+            <a:off x="3317259" y="3037576"/>
+            <a:ext cx="4449851" cy="2007131"/>
           </a:xfrm>
           <a:prstGeom prst="rect">
             <a:avLst/>
@@ -13192,7 +13192,7 @@
         </p:blipFill>
         <p:spPr>
           <a:xfrm>
-            <a:off x="3125623" y="5846016"/>
+            <a:off x="8041752" y="6602756"/>
             <a:ext cx="3698436" cy="320674"/>
           </a:xfrm>
           <a:prstGeom prst="rect">
